--- a/Roadmap.pptx
+++ b/Roadmap.pptx
@@ -7,6 +7,7 @@
   <p:sldIdLst>
     <p:sldId id="257" r:id="rId2"/>
     <p:sldId id="258" r:id="rId3"/>
+    <p:sldId id="259" r:id="rId4"/>
   </p:sldIdLst>
   <p:sldSz cx="12192000" cy="6858000"/>
   <p:notesSz cx="6858000" cy="9144000"/>
@@ -3502,7 +3503,7 @@
           <a:p>
             <a:fld id="{403CB87E-4591-47A1-9046-CF63F17215EF}" type="datetime2">
               <a:rPr lang="en-US" smtClean="0"/>
-              <a:t>Saturday, June 5, 2021</a:t>
+              <a:t>Sunday, July 3, 2022</a:t>
             </a:fld>
             <a:endParaRPr lang="en-US" dirty="0"/>
           </a:p>
@@ -3724,7 +3725,7 @@
           <a:p>
             <a:fld id="{2FA17F0E-8070-4DFE-A821-9A699EDBAD7E}" type="datetime2">
               <a:rPr lang="en-US" smtClean="0"/>
-              <a:t>Saturday, June 5, 2021</a:t>
+              <a:t>Sunday, July 3, 2022</a:t>
             </a:fld>
             <a:endParaRPr lang="en-US"/>
           </a:p>
@@ -3936,7 +3937,7 @@
           <a:p>
             <a:fld id="{D88D34AE-C7BF-46E5-A968-01C6641F6476}" type="datetime2">
               <a:rPr lang="en-US" smtClean="0"/>
-              <a:t>Saturday, June 5, 2021</a:t>
+              <a:t>Sunday, July 3, 2022</a:t>
             </a:fld>
             <a:endParaRPr lang="en-US"/>
           </a:p>
@@ -4177,7 +4178,7 @@
           <a:p>
             <a:fld id="{F33DE70B-B772-416E-A790-995760B1742E}" type="datetime2">
               <a:rPr lang="en-US" smtClean="0"/>
-              <a:t>Saturday, June 5, 2021</a:t>
+              <a:t>Sunday, July 3, 2022</a:t>
             </a:fld>
             <a:endParaRPr lang="en-US" dirty="0"/>
           </a:p>
@@ -4476,7 +4477,7 @@
           <a:p>
             <a:fld id="{76760CDE-A6F1-4138-AF12-ED09E8E5FB6B}" type="datetime2">
               <a:rPr lang="en-US" smtClean="0"/>
-              <a:t>Saturday, June 5, 2021</a:t>
+              <a:t>Sunday, July 3, 2022</a:t>
             </a:fld>
             <a:endParaRPr lang="en-US"/>
           </a:p>
@@ -4808,7 +4809,7 @@
           <a:p>
             <a:fld id="{DB15F8B1-DB7B-4D28-A97D-40FB2DD1EF78}" type="datetime2">
               <a:rPr lang="en-US" smtClean="0"/>
-              <a:t>Saturday, June 5, 2021</a:t>
+              <a:t>Sunday, July 3, 2022</a:t>
             </a:fld>
             <a:endParaRPr lang="en-US"/>
           </a:p>
@@ -5254,7 +5255,7 @@
           <a:p>
             <a:fld id="{14039161-23B8-4738-9069-73EBE8884FDD}" type="datetime2">
               <a:rPr lang="en-US" smtClean="0"/>
-              <a:t>Saturday, June 5, 2021</a:t>
+              <a:t>Sunday, July 3, 2022</a:t>
             </a:fld>
             <a:endParaRPr lang="en-US"/>
           </a:p>
@@ -5410,7 +5411,7 @@
           <a:p>
             <a:fld id="{FA994D44-7693-499F-AC6C-11696134FE3F}" type="datetime2">
               <a:rPr lang="en-US" smtClean="0"/>
-              <a:t>Saturday, June 5, 2021</a:t>
+              <a:t>Sunday, July 3, 2022</a:t>
             </a:fld>
             <a:endParaRPr lang="en-US"/>
           </a:p>
@@ -5527,7 +5528,7 @@
           <a:p>
             <a:fld id="{363AF2AE-472C-4EF3-ABB2-24BAA9AE3CF7}" type="datetime2">
               <a:rPr lang="en-US" smtClean="0"/>
-              <a:t>Saturday, June 5, 2021</a:t>
+              <a:t>Sunday, July 3, 2022</a:t>
             </a:fld>
             <a:endParaRPr lang="en-US"/>
           </a:p>
@@ -5854,7 +5855,7 @@
           <a:p>
             <a:fld id="{EAEA162C-A7C1-4263-9453-1BAFF8C39559}" type="datetime2">
               <a:rPr lang="en-US" smtClean="0"/>
-              <a:t>Saturday, June 5, 2021</a:t>
+              <a:t>Sunday, July 3, 2022</a:t>
             </a:fld>
             <a:endParaRPr lang="en-US"/>
           </a:p>
@@ -6160,7 +6161,7 @@
           <a:p>
             <a:fld id="{64DF6793-3458-4587-8168-65F0C37A92D2}" type="datetime2">
               <a:rPr lang="en-US" smtClean="0"/>
-              <a:t>Saturday, June 5, 2021</a:t>
+              <a:t>Sunday, July 3, 2022</a:t>
             </a:fld>
             <a:endParaRPr lang="en-US"/>
           </a:p>
@@ -6513,7 +6514,7 @@
             <a:fld id="{E8352ED3-3C46-4C9A-9738-67B2D875E7E2}" type="datetime2">
               <a:rPr lang="en-US" smtClean="0"/>
               <a:pPr/>
-              <a:t>Saturday, June 5, 2021</a:t>
+              <a:t>Sunday, July 3, 2022</a:t>
             </a:fld>
             <a:endParaRPr lang="en-US" dirty="0"/>
           </a:p>
@@ -7653,7 +7654,7 @@
           <p:nvPr>
             <p:extLst>
               <p:ext uri="{D42A27DB-BD31-4B8C-83A1-F6EECF244321}">
-                <p14:modId xmlns:p14="http://schemas.microsoft.com/office/powerpoint/2010/main" val="4144519937"/>
+                <p14:modId xmlns:p14="http://schemas.microsoft.com/office/powerpoint/2010/main" val="3260947380"/>
               </p:ext>
             </p:extLst>
           </p:nvPr>
@@ -7852,7 +7853,7 @@
             </a:pPr>
             <a:r>
               <a:rPr lang="en-GB" sz="1400" kern="1200" dirty="0"/>
-              <a:t>15 min. </a:t>
+              <a:t>20 min. </a:t>
             </a:r>
             <a:r>
               <a:rPr lang="en-GB" sz="1400" dirty="0"/>
@@ -8416,10 +8417,340 @@
           </a:p>
         </p:txBody>
       </p:sp>
+      <p:sp>
+        <p:nvSpPr>
+          <p:cNvPr id="3" name="TextBox 2">
+            <a:extLst>
+              <a:ext uri="{FF2B5EF4-FFF2-40B4-BE49-F238E27FC236}">
+                <a16:creationId xmlns:a16="http://schemas.microsoft.com/office/drawing/2014/main" id="{3C2A87E9-8D60-3AD9-873D-5DD99F1CFEB0}"/>
+              </a:ext>
+            </a:extLst>
+          </p:cNvPr>
+          <p:cNvSpPr txBox="1"/>
+          <p:nvPr/>
+        </p:nvSpPr>
+        <p:spPr>
+          <a:xfrm>
+            <a:off x="5887109" y="2248255"/>
+            <a:ext cx="1666009" cy="461665"/>
+          </a:xfrm>
+          <a:prstGeom prst="rect">
+            <a:avLst/>
+          </a:prstGeom>
+          <a:noFill/>
+        </p:spPr>
+        <p:txBody>
+          <a:bodyPr wrap="square" rtlCol="0">
+            <a:spAutoFit/>
+          </a:bodyPr>
+          <a:lstStyle/>
+          <a:p>
+            <a:r>
+              <a:rPr lang="en-US" sz="1200" dirty="0"/>
+              <a:t>4 to 5 days for </a:t>
+            </a:r>
+            <a:r>
+              <a:rPr lang="en-US" sz="1200" dirty="0" err="1"/>
+              <a:t>db</a:t>
+            </a:r>
+            <a:endParaRPr lang="en-US" sz="1200" dirty="0"/>
+          </a:p>
+          <a:p>
+            <a:r>
+              <a:rPr lang="en-US" sz="1200" dirty="0"/>
+              <a:t>4 to 5 days for </a:t>
+            </a:r>
+            <a:r>
+              <a:rPr lang="en-US" sz="1200" dirty="0" err="1"/>
+              <a:t>db</a:t>
+            </a:r>
+            <a:endParaRPr lang="en-US" sz="1200" dirty="0"/>
+          </a:p>
+        </p:txBody>
+      </p:sp>
+      <p:sp>
+        <p:nvSpPr>
+          <p:cNvPr id="17" name="TextBox 16">
+            <a:extLst>
+              <a:ext uri="{FF2B5EF4-FFF2-40B4-BE49-F238E27FC236}">
+                <a16:creationId xmlns:a16="http://schemas.microsoft.com/office/drawing/2014/main" id="{38E9D899-9CFD-7ED9-1EE9-0255607AE0E4}"/>
+              </a:ext>
+            </a:extLst>
+          </p:cNvPr>
+          <p:cNvSpPr txBox="1"/>
+          <p:nvPr/>
+        </p:nvSpPr>
+        <p:spPr>
+          <a:xfrm>
+            <a:off x="4334111" y="2720795"/>
+            <a:ext cx="1666009" cy="276999"/>
+          </a:xfrm>
+          <a:prstGeom prst="rect">
+            <a:avLst/>
+          </a:prstGeom>
+          <a:noFill/>
+        </p:spPr>
+        <p:txBody>
+          <a:bodyPr wrap="square" rtlCol="0">
+            <a:spAutoFit/>
+          </a:bodyPr>
+          <a:lstStyle/>
+          <a:p>
+            <a:r>
+              <a:rPr lang="en-US" sz="1200" dirty="0"/>
+              <a:t>1 to 1.5 months</a:t>
+            </a:r>
+          </a:p>
+        </p:txBody>
+      </p:sp>
+      <p:sp>
+        <p:nvSpPr>
+          <p:cNvPr id="23" name="TextBox 22">
+            <a:extLst>
+              <a:ext uri="{FF2B5EF4-FFF2-40B4-BE49-F238E27FC236}">
+                <a16:creationId xmlns:a16="http://schemas.microsoft.com/office/drawing/2014/main" id="{B3605E18-881C-CF1B-ABF8-2A203B814E0D}"/>
+              </a:ext>
+            </a:extLst>
+          </p:cNvPr>
+          <p:cNvSpPr txBox="1"/>
+          <p:nvPr/>
+        </p:nvSpPr>
+        <p:spPr>
+          <a:xfrm>
+            <a:off x="7732660" y="1981719"/>
+            <a:ext cx="1068469" cy="276999"/>
+          </a:xfrm>
+          <a:prstGeom prst="rect">
+            <a:avLst/>
+          </a:prstGeom>
+          <a:noFill/>
+        </p:spPr>
+        <p:txBody>
+          <a:bodyPr wrap="square" rtlCol="0">
+            <a:spAutoFit/>
+          </a:bodyPr>
+          <a:lstStyle/>
+          <a:p>
+            <a:r>
+              <a:rPr lang="en-US" sz="1200" dirty="0"/>
+              <a:t>1 weekend</a:t>
+            </a:r>
+          </a:p>
+        </p:txBody>
+      </p:sp>
     </p:spTree>
     <p:extLst>
       <p:ext uri="{BB962C8B-B14F-4D97-AF65-F5344CB8AC3E}">
         <p14:creationId xmlns:p14="http://schemas.microsoft.com/office/powerpoint/2010/main" val="3898588293"/>
+      </p:ext>
+    </p:extLst>
+  </p:cSld>
+  <p:clrMapOvr>
+    <a:masterClrMapping/>
+  </p:clrMapOvr>
+</p:sld>
+</file>
+
+<file path=ppt/slides/slide3.xml><?xml version="1.0" encoding="utf-8"?>
+<p:sld xmlns:a="http://schemas.openxmlformats.org/drawingml/2006/main" xmlns:r="http://schemas.openxmlformats.org/officeDocument/2006/relationships" xmlns:p="http://schemas.openxmlformats.org/presentationml/2006/main">
+  <p:cSld>
+    <p:spTree>
+      <p:nvGrpSpPr>
+        <p:cNvPr id="1" name=""/>
+        <p:cNvGrpSpPr/>
+        <p:nvPr/>
+      </p:nvGrpSpPr>
+      <p:grpSpPr>
+        <a:xfrm>
+          <a:off x="0" y="0"/>
+          <a:ext cx="0" cy="0"/>
+          <a:chOff x="0" y="0"/>
+          <a:chExt cx="0" cy="0"/>
+        </a:xfrm>
+      </p:grpSpPr>
+      <p:sp>
+        <p:nvSpPr>
+          <p:cNvPr id="2" name="Title 1">
+            <a:extLst>
+              <a:ext uri="{FF2B5EF4-FFF2-40B4-BE49-F238E27FC236}">
+                <a16:creationId xmlns:a16="http://schemas.microsoft.com/office/drawing/2014/main" id="{95DC9D7F-0706-0C70-28D1-ED10D6D29A3C}"/>
+              </a:ext>
+            </a:extLst>
+          </p:cNvPr>
+          <p:cNvSpPr>
+            <a:spLocks noGrp="1"/>
+          </p:cNvSpPr>
+          <p:nvPr>
+            <p:ph type="title"/>
+          </p:nvPr>
+        </p:nvSpPr>
+        <p:spPr/>
+        <p:txBody>
+          <a:bodyPr/>
+          <a:lstStyle/>
+          <a:p>
+            <a:endParaRPr lang="en-US"/>
+          </a:p>
+        </p:txBody>
+      </p:sp>
+      <p:sp>
+        <p:nvSpPr>
+          <p:cNvPr id="3" name="Content Placeholder 2">
+            <a:extLst>
+              <a:ext uri="{FF2B5EF4-FFF2-40B4-BE49-F238E27FC236}">
+                <a16:creationId xmlns:a16="http://schemas.microsoft.com/office/drawing/2014/main" id="{0C28FBA1-DD7A-ACB1-966A-77D2EA865909}"/>
+              </a:ext>
+            </a:extLst>
+          </p:cNvPr>
+          <p:cNvSpPr>
+            <a:spLocks noGrp="1"/>
+          </p:cNvSpPr>
+          <p:nvPr>
+            <p:ph idx="1"/>
+          </p:nvPr>
+        </p:nvSpPr>
+        <p:spPr/>
+        <p:txBody>
+          <a:bodyPr>
+            <a:normAutofit/>
+          </a:bodyPr>
+          <a:lstStyle/>
+          <a:p>
+            <a:r>
+              <a:rPr lang="en-US" sz="1600" dirty="0"/>
+              <a:t>Reference Links –</a:t>
+            </a:r>
+          </a:p>
+          <a:p>
+            <a:r>
+              <a:rPr lang="en-US" sz="1600" dirty="0"/>
+              <a:t>SQL – web3school</a:t>
+            </a:r>
+          </a:p>
+          <a:p>
+            <a:pPr lvl="1"/>
+            <a:r>
+              <a:rPr lang="en-US" sz="1600" dirty="0" err="1"/>
+              <a:t>Postgresql</a:t>
+            </a:r>
+            <a:r>
+              <a:rPr lang="en-US" sz="1600" dirty="0"/>
+              <a:t> - </a:t>
+            </a:r>
+            <a:r>
+              <a:rPr lang="en-US" sz="1600" dirty="0">
+                <a:hlinkClick r:id="rId2"/>
+              </a:rPr>
+              <a:t>https://www.tutorialspoint.com/postgresql/postgresql_overview.htm</a:t>
+            </a:r>
+            <a:endParaRPr lang="en-US" sz="1600" dirty="0"/>
+          </a:p>
+          <a:p>
+            <a:pPr lvl="1"/>
+            <a:r>
+              <a:rPr lang="en-US" sz="1600" dirty="0"/>
+              <a:t>Python - </a:t>
+            </a:r>
+            <a:r>
+              <a:rPr lang="en-US" sz="1600" dirty="0">
+                <a:hlinkClick r:id="rId3"/>
+              </a:rPr>
+              <a:t>https://www.postgresqltutorial.com/postgresql-python/</a:t>
+            </a:r>
+            <a:endParaRPr lang="en-US" sz="1600" dirty="0"/>
+          </a:p>
+          <a:p>
+            <a:pPr lvl="1"/>
+            <a:endParaRPr lang="en-US" sz="1600" dirty="0"/>
+          </a:p>
+          <a:p>
+            <a:r>
+              <a:rPr lang="en-US" sz="1600" dirty="0" err="1"/>
+              <a:t>Mongodb</a:t>
+            </a:r>
+            <a:r>
+              <a:rPr lang="en-US" sz="1600" dirty="0"/>
+              <a:t> – web3school</a:t>
+            </a:r>
+          </a:p>
+          <a:p>
+            <a:pPr lvl="1"/>
+            <a:r>
+              <a:rPr lang="en-US" sz="1600" dirty="0" err="1"/>
+              <a:t>PyMongo</a:t>
+            </a:r>
+            <a:r>
+              <a:rPr lang="en-US" sz="1600" dirty="0"/>
+              <a:t> - </a:t>
+            </a:r>
+            <a:r>
+              <a:rPr lang="en-US" sz="1600" dirty="0">
+                <a:hlinkClick r:id="rId4"/>
+              </a:rPr>
+              <a:t>https://www.w3schools.com/python/python_mongodb_getstarted.asp</a:t>
+            </a:r>
+            <a:endParaRPr lang="en-US" sz="1600" dirty="0"/>
+          </a:p>
+          <a:p>
+            <a:pPr lvl="2"/>
+            <a:endParaRPr lang="en-US" sz="100" dirty="0"/>
+          </a:p>
+          <a:p>
+            <a:pPr marL="457200" lvl="1" indent="0">
+              <a:buNone/>
+            </a:pPr>
+            <a:endParaRPr lang="en-US" sz="1600" dirty="0"/>
+          </a:p>
+          <a:p>
+            <a:pPr marL="457200" lvl="1" indent="0">
+              <a:buNone/>
+            </a:pPr>
+            <a:r>
+              <a:rPr lang="en-US" sz="1600" dirty="0"/>
+              <a:t>Deep Learning – (</a:t>
+            </a:r>
+            <a:r>
+              <a:rPr lang="en-US" sz="1600" dirty="0" err="1"/>
+              <a:t>Tensorflow</a:t>
+            </a:r>
+            <a:r>
+              <a:rPr lang="en-US" sz="1600" dirty="0"/>
+              <a:t>) - </a:t>
+            </a:r>
+            <a:r>
+              <a:rPr lang="en-US" sz="1600" dirty="0">
+                <a:hlinkClick r:id="rId5"/>
+              </a:rPr>
+              <a:t>https://www.tensorflow.org/tutorials</a:t>
+            </a:r>
+            <a:endParaRPr lang="en-US" sz="1600" dirty="0"/>
+          </a:p>
+          <a:p>
+            <a:pPr marL="457200" lvl="1" indent="0">
+              <a:buNone/>
+            </a:pPr>
+            <a:endParaRPr lang="en-US" sz="1600" dirty="0"/>
+          </a:p>
+          <a:p>
+            <a:pPr lvl="1"/>
+            <a:endParaRPr lang="en-US" sz="1600" dirty="0"/>
+          </a:p>
+          <a:p>
+            <a:pPr lvl="1"/>
+            <a:endParaRPr lang="en-US" sz="1600" dirty="0"/>
+          </a:p>
+          <a:p>
+            <a:pPr marL="457200" lvl="1" indent="0">
+              <a:buNone/>
+            </a:pPr>
+            <a:endParaRPr lang="en-US" sz="800" dirty="0"/>
+          </a:p>
+        </p:txBody>
+      </p:sp>
+    </p:spTree>
+    <p:extLst>
+      <p:ext uri="{BB962C8B-B14F-4D97-AF65-F5344CB8AC3E}">
+        <p14:creationId xmlns:p14="http://schemas.microsoft.com/office/powerpoint/2010/main" val="1184727441"/>
       </p:ext>
     </p:extLst>
   </p:cSld>
